--- a/hsi-service-demo.pptx
+++ b/hsi-service-demo.pptx
@@ -4882,6 +4882,102 @@
           </a:fontRef>
         </p:style>
       </p:pic>
+      <p:sp>
+        <p:nvSpPr>
+          <p:cNvPr id="11" name="Rectangle 10"/>
+          <p:cNvSpPr/>
+          <p:nvPr/>
+        </p:nvSpPr>
+        <p:spPr>
+          <a:xfrm>
+            <a:off x="4506686" y="935274"/>
+            <a:ext cx="699796" cy="371012"/>
+          </a:xfrm>
+          <a:prstGeom prst="rect">
+            <a:avLst/>
+          </a:prstGeom>
+          <a:noFill/>
+          <a:ln w="9525" cap="flat" cmpd="sng" algn="ctr">
+            <a:solidFill>
+              <a:srgbClr val="FF0000"/>
+            </a:solidFill>
+            <a:prstDash val="solid"/>
+            <a:round/>
+            <a:headEnd type="none" w="med" len="med"/>
+            <a:tailEnd type="none" w="med" len="med"/>
+          </a:ln>
+        </p:spPr>
+        <p:style>
+          <a:lnRef idx="0">
+            <a:scrgbClr r="0" g="0" b="0"/>
+          </a:lnRef>
+          <a:fillRef idx="0">
+            <a:scrgbClr r="0" g="0" b="0"/>
+          </a:fillRef>
+          <a:effectRef idx="0">
+            <a:scrgbClr r="0" g="0" b="0"/>
+          </a:effectRef>
+          <a:fontRef idx="minor">
+            <a:schemeClr val="dk1"/>
+          </a:fontRef>
+        </p:style>
+        <p:txBody>
+          <a:bodyPr rtlCol="0" anchor="ctr"/>
+          <a:lstStyle/>
+          <a:p>
+            <a:pPr algn="ctr"/>
+            <a:endParaRPr lang="en-US"/>
+          </a:p>
+        </p:txBody>
+      </p:sp>
+      <p:sp>
+        <p:nvSpPr>
+          <p:cNvPr id="12" name="Rectangle 11"/>
+          <p:cNvSpPr/>
+          <p:nvPr/>
+        </p:nvSpPr>
+        <p:spPr>
+          <a:xfrm>
+            <a:off x="1567543" y="4683967"/>
+            <a:ext cx="942392" cy="475862"/>
+          </a:xfrm>
+          <a:prstGeom prst="rect">
+            <a:avLst/>
+          </a:prstGeom>
+          <a:noFill/>
+          <a:ln w="9525" cap="flat" cmpd="sng" algn="ctr">
+            <a:solidFill>
+              <a:srgbClr val="FF0000"/>
+            </a:solidFill>
+            <a:prstDash val="solid"/>
+            <a:round/>
+            <a:headEnd type="none" w="med" len="med"/>
+            <a:tailEnd type="none" w="med" len="med"/>
+          </a:ln>
+        </p:spPr>
+        <p:style>
+          <a:lnRef idx="0">
+            <a:scrgbClr r="0" g="0" b="0"/>
+          </a:lnRef>
+          <a:fillRef idx="0">
+            <a:scrgbClr r="0" g="0" b="0"/>
+          </a:fillRef>
+          <a:effectRef idx="0">
+            <a:scrgbClr r="0" g="0" b="0"/>
+          </a:effectRef>
+          <a:fontRef idx="minor">
+            <a:schemeClr val="accent1"/>
+          </a:fontRef>
+        </p:style>
+        <p:txBody>
+          <a:bodyPr rtlCol="0" anchor="ctr"/>
+          <a:lstStyle/>
+          <a:p>
+            <a:pPr algn="ctr"/>
+            <a:endParaRPr lang="en-US"/>
+          </a:p>
+        </p:txBody>
+      </p:sp>
     </p:spTree>
     <p:extLst>
       <p:ext uri="{BB962C8B-B14F-4D97-AF65-F5344CB8AC3E}">
@@ -5072,12 +5168,15 @@
         <p:spPr>
           <a:xfrm>
             <a:off x="1447800" y="935274"/>
-            <a:ext cx="9420478" cy="5346757"/>
+            <a:ext cx="9420478" cy="5372220"/>
           </a:xfrm>
           <a:prstGeom prst="rect">
             <a:avLst/>
           </a:prstGeom>
           <a:ln w="3175">
+            <a:solidFill>
+              <a:srgbClr val="00B0F0"/>
+            </a:solidFill>
             <a:prstDash val="sysDot"/>
           </a:ln>
         </p:spPr>
@@ -5096,6 +5195,150 @@
           </a:fontRef>
         </p:style>
       </p:pic>
+      <p:sp>
+        <p:nvSpPr>
+          <p:cNvPr id="7" name="Rectangle 6"/>
+          <p:cNvSpPr/>
+          <p:nvPr/>
+        </p:nvSpPr>
+        <p:spPr>
+          <a:xfrm>
+            <a:off x="1679510" y="4077478"/>
+            <a:ext cx="877078" cy="541175"/>
+          </a:xfrm>
+          <a:prstGeom prst="rect">
+            <a:avLst/>
+          </a:prstGeom>
+          <a:noFill/>
+          <a:ln w="9525" cap="flat" cmpd="sng" algn="ctr">
+            <a:solidFill>
+              <a:srgbClr val="FF0000"/>
+            </a:solidFill>
+            <a:prstDash val="solid"/>
+            <a:round/>
+            <a:headEnd type="none" w="med" len="med"/>
+            <a:tailEnd type="none" w="med" len="med"/>
+          </a:ln>
+        </p:spPr>
+        <p:style>
+          <a:lnRef idx="0">
+            <a:scrgbClr r="0" g="0" b="0"/>
+          </a:lnRef>
+          <a:fillRef idx="0">
+            <a:scrgbClr r="0" g="0" b="0"/>
+          </a:fillRef>
+          <a:effectRef idx="0">
+            <a:scrgbClr r="0" g="0" b="0"/>
+          </a:effectRef>
+          <a:fontRef idx="minor">
+            <a:schemeClr val="accent1"/>
+          </a:fontRef>
+        </p:style>
+        <p:txBody>
+          <a:bodyPr rtlCol="0" anchor="ctr"/>
+          <a:lstStyle/>
+          <a:p>
+            <a:pPr algn="ctr"/>
+            <a:endParaRPr lang="en-US"/>
+          </a:p>
+        </p:txBody>
+      </p:sp>
+      <p:sp>
+        <p:nvSpPr>
+          <p:cNvPr id="8" name="Rectangle 7"/>
+          <p:cNvSpPr/>
+          <p:nvPr/>
+        </p:nvSpPr>
+        <p:spPr>
+          <a:xfrm>
+            <a:off x="7063273" y="4730620"/>
+            <a:ext cx="1026368" cy="503853"/>
+          </a:xfrm>
+          <a:prstGeom prst="rect">
+            <a:avLst/>
+          </a:prstGeom>
+          <a:noFill/>
+          <a:ln w="9525" cap="flat" cmpd="sng" algn="ctr">
+            <a:solidFill>
+              <a:srgbClr val="FF0000"/>
+            </a:solidFill>
+            <a:prstDash val="solid"/>
+            <a:round/>
+            <a:headEnd type="none" w="med" len="med"/>
+            <a:tailEnd type="none" w="med" len="med"/>
+          </a:ln>
+        </p:spPr>
+        <p:style>
+          <a:lnRef idx="0">
+            <a:scrgbClr r="0" g="0" b="0"/>
+          </a:lnRef>
+          <a:fillRef idx="0">
+            <a:scrgbClr r="0" g="0" b="0"/>
+          </a:fillRef>
+          <a:effectRef idx="0">
+            <a:scrgbClr r="0" g="0" b="0"/>
+          </a:effectRef>
+          <a:fontRef idx="minor">
+            <a:schemeClr val="accent1"/>
+          </a:fontRef>
+        </p:style>
+        <p:txBody>
+          <a:bodyPr rtlCol="0" anchor="ctr"/>
+          <a:lstStyle/>
+          <a:p>
+            <a:pPr algn="ctr"/>
+            <a:endParaRPr lang="en-US"/>
+          </a:p>
+        </p:txBody>
+      </p:sp>
+      <p:sp>
+        <p:nvSpPr>
+          <p:cNvPr id="9" name="Rectangle 8"/>
+          <p:cNvSpPr/>
+          <p:nvPr/>
+        </p:nvSpPr>
+        <p:spPr>
+          <a:xfrm>
+            <a:off x="4396900" y="5831633"/>
+            <a:ext cx="1222310" cy="450398"/>
+          </a:xfrm>
+          <a:prstGeom prst="rect">
+            <a:avLst/>
+          </a:prstGeom>
+          <a:noFill/>
+          <a:ln w="9525" cap="flat" cmpd="sng" algn="ctr">
+            <a:solidFill>
+              <a:srgbClr val="FF0000"/>
+            </a:solidFill>
+            <a:prstDash val="solid"/>
+            <a:round/>
+            <a:headEnd type="none" w="med" len="med"/>
+            <a:tailEnd type="none" w="med" len="med"/>
+          </a:ln>
+        </p:spPr>
+        <p:style>
+          <a:lnRef idx="0">
+            <a:scrgbClr r="0" g="0" b="0"/>
+          </a:lnRef>
+          <a:fillRef idx="0">
+            <a:scrgbClr r="0" g="0" b="0"/>
+          </a:fillRef>
+          <a:effectRef idx="0">
+            <a:scrgbClr r="0" g="0" b="0"/>
+          </a:effectRef>
+          <a:fontRef idx="minor">
+            <a:schemeClr val="accent1"/>
+          </a:fontRef>
+        </p:style>
+        <p:txBody>
+          <a:bodyPr rtlCol="0" anchor="ctr"/>
+          <a:lstStyle/>
+          <a:p>
+            <a:pPr algn="ctr"/>
+            <a:endParaRPr lang="en-US"/>
+          </a:p>
+        </p:txBody>
+      </p:sp>
     </p:spTree>
     <p:extLst>
       <p:ext uri="{BB962C8B-B14F-4D97-AF65-F5344CB8AC3E}">
@@ -5310,6 +5553,102 @@
           </a:fontRef>
         </p:style>
       </p:pic>
+      <p:sp>
+        <p:nvSpPr>
+          <p:cNvPr id="7" name="Rectangle 6"/>
+          <p:cNvSpPr/>
+          <p:nvPr/>
+        </p:nvSpPr>
+        <p:spPr>
+          <a:xfrm>
+            <a:off x="4096139" y="4376057"/>
+            <a:ext cx="1352939" cy="559837"/>
+          </a:xfrm>
+          <a:prstGeom prst="rect">
+            <a:avLst/>
+          </a:prstGeom>
+          <a:noFill/>
+          <a:ln w="9525" cap="flat" cmpd="sng" algn="ctr">
+            <a:solidFill>
+              <a:srgbClr val="FF0000"/>
+            </a:solidFill>
+            <a:prstDash val="solid"/>
+            <a:round/>
+            <a:headEnd type="none" w="med" len="med"/>
+            <a:tailEnd type="none" w="med" len="med"/>
+          </a:ln>
+        </p:spPr>
+        <p:style>
+          <a:lnRef idx="0">
+            <a:scrgbClr r="0" g="0" b="0"/>
+          </a:lnRef>
+          <a:fillRef idx="0">
+            <a:scrgbClr r="0" g="0" b="0"/>
+          </a:fillRef>
+          <a:effectRef idx="0">
+            <a:scrgbClr r="0" g="0" b="0"/>
+          </a:effectRef>
+          <a:fontRef idx="minor">
+            <a:schemeClr val="accent1"/>
+          </a:fontRef>
+        </p:style>
+        <p:txBody>
+          <a:bodyPr rtlCol="0" anchor="ctr"/>
+          <a:lstStyle/>
+          <a:p>
+            <a:pPr algn="ctr"/>
+            <a:endParaRPr lang="en-US"/>
+          </a:p>
+        </p:txBody>
+      </p:sp>
+      <p:sp>
+        <p:nvSpPr>
+          <p:cNvPr id="8" name="Rectangle 7"/>
+          <p:cNvSpPr/>
+          <p:nvPr/>
+        </p:nvSpPr>
+        <p:spPr>
+          <a:xfrm>
+            <a:off x="10384971" y="3900196"/>
+            <a:ext cx="755780" cy="503853"/>
+          </a:xfrm>
+          <a:prstGeom prst="rect">
+            <a:avLst/>
+          </a:prstGeom>
+          <a:noFill/>
+          <a:ln w="9525" cap="flat" cmpd="sng" algn="ctr">
+            <a:solidFill>
+              <a:srgbClr val="FF0000"/>
+            </a:solidFill>
+            <a:prstDash val="solid"/>
+            <a:round/>
+            <a:headEnd type="none" w="med" len="med"/>
+            <a:tailEnd type="none" w="med" len="med"/>
+          </a:ln>
+        </p:spPr>
+        <p:style>
+          <a:lnRef idx="0">
+            <a:scrgbClr r="0" g="0" b="0"/>
+          </a:lnRef>
+          <a:fillRef idx="0">
+            <a:scrgbClr r="0" g="0" b="0"/>
+          </a:fillRef>
+          <a:effectRef idx="0">
+            <a:scrgbClr r="0" g="0" b="0"/>
+          </a:effectRef>
+          <a:fontRef idx="minor">
+            <a:schemeClr val="accent1"/>
+          </a:fontRef>
+        </p:style>
+        <p:txBody>
+          <a:bodyPr rtlCol="0" anchor="ctr"/>
+          <a:lstStyle/>
+          <a:p>
+            <a:pPr algn="ctr"/>
+            <a:endParaRPr lang="en-US"/>
+          </a:p>
+        </p:txBody>
+      </p:sp>
     </p:spTree>
     <p:extLst>
       <p:ext uri="{BB962C8B-B14F-4D97-AF65-F5344CB8AC3E}">
